--- a/Sharpest++/Chapter 18 - Special Classes.pptx
+++ b/Sharpest++/Chapter 18 - Special Classes.pptx
@@ -2229,6 +2229,57 @@
           <a:bodyPr/>
           <a:lstStyle/>
           <a:p>
+            <a:pPr marL="228600" marR="0" lvl="0" indent="-228600" algn="l" defTabSz="914400" rtl="0" eaLnBrk="1" fontAlgn="auto" latinLnBrk="1" hangingPunct="1">
+              <a:lnSpc>
+                <a:spcPct val="100000"/>
+              </a:lnSpc>
+              <a:spcBef>
+                <a:spcPts val="0"/>
+              </a:spcBef>
+              <a:spcAft>
+                <a:spcPts val="0"/>
+              </a:spcAft>
+              <a:buClrTx/>
+              <a:buSzTx/>
+              <a:buFontTx/>
+              <a:buAutoNum type="alphaUcPeriod"/>
+              <a:tabLst/>
+              <a:defRPr/>
+            </a:pPr>
+            <a:r>
+              <a:rPr lang="en-US" altLang="ko-KR" dirty="0"/>
+              <a:t>100</a:t>
+            </a:r>
+            <a:r>
+              <a:rPr lang="ko-KR" altLang="en-US" dirty="0"/>
+              <a:t>과 미정의 값이 출력된다</a:t>
+            </a:r>
+            <a:r>
+              <a:rPr lang="en-US" altLang="ko-KR" dirty="0"/>
+              <a:t>.</a:t>
+            </a:r>
+          </a:p>
+          <a:p>
+            <a:pPr marL="228600" marR="0" lvl="0" indent="-228600" algn="l" defTabSz="914400" rtl="0" eaLnBrk="1" fontAlgn="auto" latinLnBrk="1" hangingPunct="1">
+              <a:lnSpc>
+                <a:spcPct val="100000"/>
+              </a:lnSpc>
+              <a:spcBef>
+                <a:spcPts val="0"/>
+              </a:spcBef>
+              <a:spcAft>
+                <a:spcPts val="0"/>
+              </a:spcAft>
+              <a:buClrTx/>
+              <a:buSzTx/>
+              <a:buFontTx/>
+              <a:buAutoNum type="alphaUcPeriod"/>
+              <a:tabLst/>
+              <a:defRPr/>
+            </a:pPr>
+            <a:endParaRPr lang="en-US" altLang="ko-KR" dirty="0"/>
+          </a:p>
+          <a:p>
             <a:pPr marL="0" marR="0" lvl="0" indent="0" algn="l" defTabSz="914400" rtl="0" eaLnBrk="1" fontAlgn="auto" latinLnBrk="1" hangingPunct="1">
               <a:lnSpc>
                 <a:spcPct val="100000"/>
@@ -2248,16 +2299,53 @@
             </a:pPr>
             <a:r>
               <a:rPr lang="en-US" altLang="ko-KR" dirty="0"/>
-              <a:t>A. 100</a:t>
+              <a:t>Note) </a:t>
             </a:r>
             <a:r>
               <a:rPr lang="ko-KR" altLang="en-US" dirty="0"/>
-              <a:t>과 미정의 값이 출력된다</a:t>
+              <a:t>위 코드에서</a:t>
             </a:r>
             <a:r>
               <a:rPr lang="en-US" altLang="ko-KR" dirty="0"/>
-              <a:t>.</a:t>
-            </a:r>
+              <a:t>, &amp;a == &amp;</a:t>
+            </a:r>
+            <a:r>
+              <a:rPr lang="en-US" altLang="ko-KR" dirty="0" err="1"/>
+              <a:t>a.x</a:t>
+            </a:r>
+            <a:r>
+              <a:rPr lang="ko-KR" altLang="en-US" dirty="0"/>
+              <a:t>임을 뜻한다</a:t>
+            </a:r>
+            <a:r>
+              <a:rPr lang="en-US" altLang="ko-KR" dirty="0"/>
+              <a:t>. (A</a:t>
+            </a:r>
+            <a:r>
+              <a:rPr lang="ko-KR" altLang="en-US" dirty="0"/>
+              <a:t>가 </a:t>
+            </a:r>
+            <a:r>
+              <a:rPr lang="en-US" altLang="ko-KR" dirty="0"/>
+              <a:t>POD (C++11 </a:t>
+            </a:r>
+            <a:r>
+              <a:rPr lang="ko-KR" altLang="en-US" dirty="0"/>
+              <a:t>기준으로는 </a:t>
+            </a:r>
+            <a:r>
+              <a:rPr lang="en-US" altLang="ko-KR" dirty="0"/>
+              <a:t>Standard Layout) </a:t>
+            </a:r>
+            <a:r>
+              <a:rPr lang="ko-KR" altLang="en-US" dirty="0"/>
+              <a:t>타입이기 때문이다</a:t>
+            </a:r>
+            <a:r>
+              <a:rPr lang="en-US" altLang="ko-KR"/>
+              <a:t>.)</a:t>
+            </a:r>
+            <a:endParaRPr lang="en-US" altLang="ko-KR" dirty="0"/>
           </a:p>
         </p:txBody>
       </p:sp>
@@ -18096,7 +18184,7 @@
                 <a:latin typeface="야놀자 야체 R" panose="02020603020101020101" pitchFamily="18" charset="-127"/>
                 <a:ea typeface="야놀자 야체 R" panose="02020603020101020101" pitchFamily="18" charset="-127"/>
               </a:rPr>
-              <a:t>에서 구조체를 컴파일한 것과 동일한 메모리 배치를 가진다</a:t>
+              <a:t>에서 대응되는 구조체를 컴파일한 것에 가까운 메모리 배치를 가진다</a:t>
             </a:r>
             <a:r>
               <a:rPr lang="en-US" altLang="ko-KR" sz="2400" dirty="0">
